--- a/_자료/5_WinNetWork & MFC/MFC.pptx
+++ b/_자료/5_WinNetWork & MFC/MFC.pptx
@@ -757,7 +757,7 @@
             <a:fld id="{FB30EDBD-1C2D-4C1E-B459-B60219FAB484}" type="datetimeFigureOut">
               <a:rPr lang="ko-KR" altLang="en-US" smtClean="0"/>
               <a:pPr/>
-              <a:t>2021-05-26</a:t>
+              <a:t>2021-05-28</a:t>
             </a:fld>
             <a:endParaRPr lang="ko-KR" altLang="en-US"/>
           </a:p>
@@ -955,7 +955,7 @@
             <a:fld id="{FB30EDBD-1C2D-4C1E-B459-B60219FAB484}" type="datetimeFigureOut">
               <a:rPr lang="ko-KR" altLang="en-US" smtClean="0"/>
               <a:pPr/>
-              <a:t>2021-05-26</a:t>
+              <a:t>2021-05-28</a:t>
             </a:fld>
             <a:endParaRPr lang="ko-KR" altLang="en-US"/>
           </a:p>
@@ -1142,7 +1142,7 @@
             <a:fld id="{FB30EDBD-1C2D-4C1E-B459-B60219FAB484}" type="datetimeFigureOut">
               <a:rPr lang="ko-KR" altLang="en-US" smtClean="0"/>
               <a:pPr/>
-              <a:t>2021-05-26</a:t>
+              <a:t>2021-05-28</a:t>
             </a:fld>
             <a:endParaRPr lang="ko-KR" altLang="en-US"/>
           </a:p>
@@ -1294,7 +1294,7 @@
             <a:fld id="{FB30EDBD-1C2D-4C1E-B459-B60219FAB484}" type="datetimeFigureOut">
               <a:rPr lang="ko-KR" altLang="en-US" smtClean="0"/>
               <a:pPr/>
-              <a:t>2021-05-26</a:t>
+              <a:t>2021-05-28</a:t>
             </a:fld>
             <a:endParaRPr lang="ko-KR" altLang="en-US"/>
           </a:p>
@@ -1551,7 +1551,7 @@
             <a:fld id="{FB30EDBD-1C2D-4C1E-B459-B60219FAB484}" type="datetimeFigureOut">
               <a:rPr lang="ko-KR" altLang="en-US" smtClean="0"/>
               <a:pPr/>
-              <a:t>2021-05-26</a:t>
+              <a:t>2021-05-28</a:t>
             </a:fld>
             <a:endParaRPr lang="ko-KR" altLang="en-US"/>
           </a:p>
@@ -1962,7 +1962,7 @@
             <a:fld id="{FB30EDBD-1C2D-4C1E-B459-B60219FAB484}" type="datetimeFigureOut">
               <a:rPr lang="ko-KR" altLang="en-US" smtClean="0"/>
               <a:pPr/>
-              <a:t>2021-05-26</a:t>
+              <a:t>2021-05-28</a:t>
             </a:fld>
             <a:endParaRPr lang="ko-KR" altLang="en-US"/>
           </a:p>
@@ -2410,7 +2410,7 @@
             <a:fld id="{FB30EDBD-1C2D-4C1E-B459-B60219FAB484}" type="datetimeFigureOut">
               <a:rPr lang="ko-KR" altLang="en-US" smtClean="0"/>
               <a:pPr/>
-              <a:t>2021-05-26</a:t>
+              <a:t>2021-05-28</a:t>
             </a:fld>
             <a:endParaRPr lang="ko-KR" altLang="en-US"/>
           </a:p>
@@ -2513,7 +2513,7 @@
             <a:fld id="{FB30EDBD-1C2D-4C1E-B459-B60219FAB484}" type="datetimeFigureOut">
               <a:rPr lang="ko-KR" altLang="en-US" smtClean="0"/>
               <a:pPr/>
-              <a:t>2021-05-26</a:t>
+              <a:t>2021-05-28</a:t>
             </a:fld>
             <a:endParaRPr lang="ko-KR" altLang="en-US"/>
           </a:p>
@@ -2636,7 +2636,7 @@
             <a:fld id="{FB30EDBD-1C2D-4C1E-B459-B60219FAB484}" type="datetimeFigureOut">
               <a:rPr lang="ko-KR" altLang="en-US" smtClean="0"/>
               <a:pPr/>
-              <a:t>2021-05-26</a:t>
+              <a:t>2021-05-28</a:t>
             </a:fld>
             <a:endParaRPr lang="ko-KR" altLang="en-US"/>
           </a:p>
@@ -2912,7 +2912,7 @@
             <a:fld id="{FB30EDBD-1C2D-4C1E-B459-B60219FAB484}" type="datetimeFigureOut">
               <a:rPr lang="ko-KR" altLang="en-US" smtClean="0"/>
               <a:pPr/>
-              <a:t>2021-05-26</a:t>
+              <a:t>2021-05-28</a:t>
             </a:fld>
             <a:endParaRPr lang="ko-KR" altLang="en-US"/>
           </a:p>
@@ -3119,7 +3119,7 @@
             <a:fld id="{FB30EDBD-1C2D-4C1E-B459-B60219FAB484}" type="datetimeFigureOut">
               <a:rPr lang="ko-KR" altLang="en-US" smtClean="0"/>
               <a:pPr/>
-              <a:t>2021-05-26</a:t>
+              <a:t>2021-05-28</a:t>
             </a:fld>
             <a:endParaRPr lang="ko-KR" altLang="en-US"/>
           </a:p>
@@ -4230,7 +4230,7 @@
             <a:fld id="{FB30EDBD-1C2D-4C1E-B459-B60219FAB484}" type="datetimeFigureOut">
               <a:rPr lang="ko-KR" altLang="en-US" smtClean="0"/>
               <a:pPr/>
-              <a:t>2021-05-26</a:t>
+              <a:t>2021-05-28</a:t>
             </a:fld>
             <a:endParaRPr lang="ko-KR" altLang="en-US"/>
           </a:p>
@@ -13789,7 +13789,7 @@
         <p:spPr/>
         <p:txBody>
           <a:bodyPr>
-            <a:normAutofit fontScale="47500" lnSpcReduction="20000"/>
+            <a:normAutofit fontScale="40000" lnSpcReduction="20000"/>
           </a:bodyPr>
           <a:lstStyle/>
           <a:p>
@@ -14309,9 +14309,69 @@
           <a:p>
             <a:r>
               <a:rPr lang="ko-KR" altLang="en-US" sz="2900" b="1" dirty="0" smtClean="0"/>
-              <a:t>서버에서 데이터를 받으면 자동으로 호출된다</a:t>
+              <a:t>서버에서 데이터를 받으면 자동으로 </a:t>
+            </a:r>
+            <a:r>
+              <a:rPr lang="ko-KR" altLang="en-US" sz="2900" b="1" dirty="0" smtClean="0"/>
+              <a:t>호출된다</a:t>
             </a:r>
             <a:endParaRPr lang="en-US" altLang="ko-KR" sz="2900" b="1" dirty="0" smtClean="0"/>
+          </a:p>
+          <a:p>
+            <a:pPr>
+              <a:buNone/>
+            </a:pPr>
+            <a:r>
+              <a:rPr lang="en-US" altLang="ko-KR" sz="2000" b="1" dirty="0" smtClean="0">
+                <a:solidFill>
+                  <a:srgbClr val="808080"/>
+                </a:solidFill>
+                <a:latin typeface="돋움체"/>
+                <a:ea typeface="돋움체"/>
+              </a:rPr>
+              <a:t>#include</a:t>
+            </a:r>
+            <a:r>
+              <a:rPr lang="en-US" altLang="ko-KR" sz="2000" b="1" dirty="0" smtClean="0">
+                <a:solidFill>
+                  <a:srgbClr val="000000"/>
+                </a:solidFill>
+                <a:latin typeface="돋움체"/>
+                <a:ea typeface="돋움체"/>
+              </a:rPr>
+              <a:t> </a:t>
+            </a:r>
+            <a:r>
+              <a:rPr lang="en-US" altLang="ko-KR" sz="2000" b="1" dirty="0" smtClean="0">
+                <a:solidFill>
+                  <a:srgbClr val="A31515"/>
+                </a:solidFill>
+                <a:latin typeface="돋움체"/>
+                <a:ea typeface="돋움체"/>
+              </a:rPr>
+              <a:t>“</a:t>
+            </a:r>
+            <a:r>
+              <a:rPr lang="en-US" altLang="ko-KR" sz="2000" b="1" dirty="0" err="1" smtClean="0">
+                <a:solidFill>
+                  <a:srgbClr val="A31515"/>
+                </a:solidFill>
+                <a:latin typeface="돋움체"/>
+                <a:ea typeface="돋움체"/>
+              </a:rPr>
+              <a:t>CClientSocketDlg.h</a:t>
+            </a:r>
+            <a:r>
+              <a:rPr lang="en-US" altLang="ko-KR" sz="2000" b="1" dirty="0" smtClean="0">
+                <a:solidFill>
+                  <a:srgbClr val="A31515"/>
+                </a:solidFill>
+                <a:latin typeface="돋움체"/>
+                <a:ea typeface="돋움체"/>
+              </a:rPr>
+              <a:t>“</a:t>
+            </a:r>
+            <a:endParaRPr lang="en-US" altLang="ko-KR" sz="2000" b="1" dirty="0" smtClean="0"/>
           </a:p>
           <a:p>
             <a:pPr>
@@ -14814,8 +14874,252 @@
                 <a:latin typeface="돋움체"/>
                 <a:ea typeface="돋움체"/>
               </a:rPr>
-              <a:t>	{</a:t>
-            </a:r>
+              <a:t>	</a:t>
+            </a:r>
+            <a:r>
+              <a:rPr lang="en-US" altLang="ko-KR" sz="2000" b="1" dirty="0" smtClean="0">
+                <a:solidFill>
+                  <a:srgbClr val="000000"/>
+                </a:solidFill>
+                <a:latin typeface="돋움체"/>
+                <a:ea typeface="돋움체"/>
+              </a:rPr>
+              <a:t>{</a:t>
+            </a:r>
+          </a:p>
+          <a:p>
+            <a:pPr>
+              <a:buNone/>
+            </a:pPr>
+            <a:r>
+              <a:rPr lang="en-US" altLang="ko-KR" sz="2000" b="1" dirty="0" smtClean="0">
+                <a:solidFill>
+                  <a:srgbClr val="000000"/>
+                </a:solidFill>
+                <a:latin typeface="돋움체"/>
+                <a:ea typeface="돋움체"/>
+              </a:rPr>
+              <a:t>		</a:t>
+            </a:r>
+            <a:r>
+              <a:rPr lang="en-US" altLang="ko-KR" sz="2000" dirty="0" smtClean="0">
+                <a:solidFill>
+                  <a:srgbClr val="008000"/>
+                </a:solidFill>
+                <a:latin typeface="돋움체"/>
+                <a:ea typeface="돋움체"/>
+              </a:rPr>
+              <a:t> </a:t>
+            </a:r>
+            <a:r>
+              <a:rPr lang="en-US" altLang="ko-KR" sz="2000" b="1" dirty="0" smtClean="0">
+                <a:solidFill>
+                  <a:srgbClr val="008000"/>
+                </a:solidFill>
+                <a:latin typeface="돋움체"/>
+                <a:ea typeface="돋움체"/>
+              </a:rPr>
+              <a:t>// </a:t>
+            </a:r>
+            <a:r>
+              <a:rPr lang="en-US" altLang="ko-KR" sz="2000" b="1" dirty="0" err="1" smtClean="0">
+                <a:solidFill>
+                  <a:srgbClr val="008000"/>
+                </a:solidFill>
+                <a:latin typeface="돋움체"/>
+                <a:ea typeface="돋움체"/>
+              </a:rPr>
+              <a:t>Dlg</a:t>
+            </a:r>
+            <a:r>
+              <a:rPr lang="en-US" altLang="ko-KR" sz="2000" b="1" dirty="0" smtClean="0">
+                <a:solidFill>
+                  <a:srgbClr val="008000"/>
+                </a:solidFill>
+                <a:latin typeface="돋움체"/>
+                <a:ea typeface="돋움체"/>
+              </a:rPr>
+              <a:t> </a:t>
+            </a:r>
+            <a:r>
+              <a:rPr lang="ko-KR" altLang="en-US" sz="2000" b="1" dirty="0" smtClean="0">
+                <a:solidFill>
+                  <a:srgbClr val="008000"/>
+                </a:solidFill>
+                <a:latin typeface="돋움체"/>
+                <a:ea typeface="돋움체"/>
+              </a:rPr>
+              <a:t>클래스에 선언 해둔 </a:t>
+            </a:r>
+            <a:r>
+              <a:rPr lang="ko-KR" altLang="en-US" sz="2000" b="1" dirty="0" err="1" smtClean="0">
+                <a:solidFill>
+                  <a:srgbClr val="008000"/>
+                </a:solidFill>
+                <a:latin typeface="돋움체"/>
+                <a:ea typeface="돋움체"/>
+              </a:rPr>
+              <a:t>맴버</a:t>
+            </a:r>
+            <a:r>
+              <a:rPr lang="ko-KR" altLang="en-US" sz="2000" b="1" dirty="0" smtClean="0">
+                <a:solidFill>
+                  <a:srgbClr val="008000"/>
+                </a:solidFill>
+                <a:latin typeface="돋움체"/>
+                <a:ea typeface="돋움체"/>
+              </a:rPr>
+              <a:t> 변수 등을 가져와서 쓸 수 있다</a:t>
+            </a:r>
+            <a:r>
+              <a:rPr lang="en-US" altLang="ko-KR" sz="2000" b="1" dirty="0" smtClean="0">
+                <a:solidFill>
+                  <a:srgbClr val="008000"/>
+                </a:solidFill>
+                <a:latin typeface="돋움체"/>
+                <a:ea typeface="돋움체"/>
+              </a:rPr>
+              <a:t>.</a:t>
+            </a:r>
+            <a:endParaRPr lang="en-US" altLang="ko-KR" sz="2000" b="1" dirty="0" smtClean="0">
+              <a:solidFill>
+                <a:srgbClr val="000000"/>
+              </a:solidFill>
+              <a:latin typeface="돋움체"/>
+              <a:ea typeface="돋움체"/>
+            </a:endParaRPr>
+          </a:p>
+          <a:p>
+            <a:pPr>
+              <a:buNone/>
+            </a:pPr>
+            <a:r>
+              <a:rPr lang="en-US" altLang="ko-KR" sz="2000" b="1" dirty="0" smtClean="0">
+                <a:solidFill>
+                  <a:srgbClr val="2B91AF"/>
+                </a:solidFill>
+                <a:latin typeface="돋움체"/>
+                <a:ea typeface="돋움체"/>
+              </a:rPr>
+              <a:t>		</a:t>
+            </a:r>
+            <a:r>
+              <a:rPr lang="en-US" altLang="ko-KR" sz="2000" b="1" dirty="0" err="1" smtClean="0">
+                <a:solidFill>
+                  <a:srgbClr val="2B91AF"/>
+                </a:solidFill>
+                <a:latin typeface="돋움체"/>
+                <a:ea typeface="돋움체"/>
+              </a:rPr>
+              <a:t>CClientSocketDlg</a:t>
+            </a:r>
+            <a:r>
+              <a:rPr lang="en-US" altLang="ko-KR" sz="2000" b="1" dirty="0" smtClean="0">
+                <a:solidFill>
+                  <a:srgbClr val="2B91AF"/>
+                </a:solidFill>
+                <a:latin typeface="돋움체"/>
+                <a:ea typeface="돋움체"/>
+              </a:rPr>
+              <a:t> </a:t>
+            </a:r>
+            <a:r>
+              <a:rPr lang="en-US" altLang="ko-KR" sz="2000" b="1" dirty="0" smtClean="0">
+                <a:solidFill>
+                  <a:srgbClr val="000000"/>
+                </a:solidFill>
+                <a:latin typeface="돋움체"/>
+                <a:ea typeface="돋움체"/>
+              </a:rPr>
+              <a:t>* </a:t>
+            </a:r>
+            <a:r>
+              <a:rPr lang="en-US" altLang="ko-KR" sz="2000" b="1" dirty="0" err="1" smtClean="0">
+                <a:solidFill>
+                  <a:srgbClr val="000000"/>
+                </a:solidFill>
+                <a:latin typeface="돋움체"/>
+                <a:ea typeface="돋움체"/>
+              </a:rPr>
+              <a:t>pMain</a:t>
+            </a:r>
+            <a:r>
+              <a:rPr lang="en-US" altLang="ko-KR" sz="2000" b="1" dirty="0" smtClean="0">
+                <a:solidFill>
+                  <a:srgbClr val="000000"/>
+                </a:solidFill>
+                <a:latin typeface="돋움체"/>
+                <a:ea typeface="돋움체"/>
+              </a:rPr>
+              <a:t> = </a:t>
+            </a:r>
+            <a:r>
+              <a:rPr lang="en-US" altLang="ko-KR" sz="2000" b="1" dirty="0" smtClean="0">
+                <a:solidFill>
+                  <a:srgbClr val="000000"/>
+                </a:solidFill>
+                <a:latin typeface="돋움체"/>
+                <a:ea typeface="돋움체"/>
+              </a:rPr>
+              <a:t>(</a:t>
+            </a:r>
+            <a:r>
+              <a:rPr lang="en-US" altLang="ko-KR" sz="2000" b="1" dirty="0" err="1" smtClean="0">
+                <a:solidFill>
+                  <a:srgbClr val="2B91AF"/>
+                </a:solidFill>
+                <a:latin typeface="돋움체"/>
+                <a:ea typeface="돋움체"/>
+              </a:rPr>
+              <a:t>CClientSocketDlg</a:t>
+            </a:r>
+            <a:r>
+              <a:rPr lang="en-US" altLang="ko-KR" sz="2000" b="1" dirty="0" smtClean="0">
+                <a:solidFill>
+                  <a:srgbClr val="2B91AF"/>
+                </a:solidFill>
+                <a:latin typeface="돋움체"/>
+                <a:ea typeface="돋움체"/>
+              </a:rPr>
+              <a:t> </a:t>
+            </a:r>
+            <a:r>
+              <a:rPr lang="en-US" altLang="ko-KR" sz="2000" b="1" dirty="0" smtClean="0">
+                <a:solidFill>
+                  <a:srgbClr val="000000"/>
+                </a:solidFill>
+                <a:latin typeface="돋움체"/>
+                <a:ea typeface="돋움체"/>
+              </a:rPr>
+              <a:t>*)</a:t>
+            </a:r>
+            <a:r>
+              <a:rPr lang="en-US" altLang="ko-KR" sz="2000" b="1" dirty="0" err="1" smtClean="0">
+                <a:solidFill>
+                  <a:srgbClr val="000000"/>
+                </a:solidFill>
+                <a:latin typeface="돋움체"/>
+                <a:ea typeface="돋움체"/>
+              </a:rPr>
+              <a:t>AfxGetMainWnd</a:t>
+            </a:r>
+            <a:r>
+              <a:rPr lang="en-US" altLang="ko-KR" sz="2000" b="1" dirty="0" smtClean="0">
+                <a:solidFill>
+                  <a:srgbClr val="000000"/>
+                </a:solidFill>
+                <a:latin typeface="돋움체"/>
+                <a:ea typeface="돋움체"/>
+              </a:rPr>
+              <a:t>();</a:t>
+            </a:r>
+            <a:endParaRPr lang="en-US" altLang="ko-KR" sz="2000" b="1" dirty="0" smtClean="0">
+              <a:solidFill>
+                <a:srgbClr val="000000"/>
+              </a:solidFill>
+              <a:latin typeface="돋움체"/>
+              <a:ea typeface="돋움체"/>
+            </a:endParaRPr>
           </a:p>
           <a:p>
             <a:pPr>
@@ -14984,6 +15288,13 @@
   <p:clrMapOvr>
     <a:masterClrMapping/>
   </p:clrMapOvr>
+  <p:timing>
+    <p:tnLst>
+      <p:par>
+        <p:cTn id="1" dur="indefinite" restart="never" nodeType="tmRoot"/>
+      </p:par>
+    </p:tnLst>
+  </p:timing>
 </p:sld>
 </file>
 
@@ -15900,6 +16211,13 @@
   <p:clrMapOvr>
     <a:masterClrMapping/>
   </p:clrMapOvr>
+  <p:timing>
+    <p:tnLst>
+      <p:par>
+        <p:cTn id="1" dur="indefinite" restart="never" nodeType="tmRoot"/>
+      </p:par>
+    </p:tnLst>
+  </p:timing>
 </p:sld>
 </file>
 
